--- a/doc/Laravel 모듈 개발기획안.pptx
+++ b/doc/Laravel 모듈 개발기획안.pptx
@@ -8,7 +8,9 @@
     <p:sldId id="256" r:id="rId2"/>
     <p:sldId id="257" r:id="rId3"/>
     <p:sldId id="258" r:id="rId4"/>
-    <p:sldId id="259" r:id="rId5"/>
+    <p:sldId id="260" r:id="rId5"/>
+    <p:sldId id="259" r:id="rId6"/>
+    <p:sldId id="261" r:id="rId7"/>
   </p:sldIdLst>
   <p:sldSz cx="12192000" cy="6858000"/>
   <p:notesSz cx="6858000" cy="9144000"/>
@@ -262,7 +264,7 @@
           <a:p>
             <a:fld id="{2AE83F40-30CF-4985-BD4F-EDD8204F892D}" type="datetimeFigureOut">
               <a:rPr lang="ko-KR" altLang="en-US" smtClean="0"/>
-              <a:t>2021-03-15</a:t>
+              <a:t>2021-03-16</a:t>
             </a:fld>
             <a:endParaRPr lang="ko-KR" altLang="en-US"/>
           </a:p>
@@ -460,7 +462,7 @@
           <a:p>
             <a:fld id="{2AE83F40-30CF-4985-BD4F-EDD8204F892D}" type="datetimeFigureOut">
               <a:rPr lang="ko-KR" altLang="en-US" smtClean="0"/>
-              <a:t>2021-03-15</a:t>
+              <a:t>2021-03-16</a:t>
             </a:fld>
             <a:endParaRPr lang="ko-KR" altLang="en-US"/>
           </a:p>
@@ -668,7 +670,7 @@
           <a:p>
             <a:fld id="{2AE83F40-30CF-4985-BD4F-EDD8204F892D}" type="datetimeFigureOut">
               <a:rPr lang="ko-KR" altLang="en-US" smtClean="0"/>
-              <a:t>2021-03-15</a:t>
+              <a:t>2021-03-16</a:t>
             </a:fld>
             <a:endParaRPr lang="ko-KR" altLang="en-US"/>
           </a:p>
@@ -866,7 +868,7 @@
           <a:p>
             <a:fld id="{2AE83F40-30CF-4985-BD4F-EDD8204F892D}" type="datetimeFigureOut">
               <a:rPr lang="ko-KR" altLang="en-US" smtClean="0"/>
-              <a:t>2021-03-15</a:t>
+              <a:t>2021-03-16</a:t>
             </a:fld>
             <a:endParaRPr lang="ko-KR" altLang="en-US"/>
           </a:p>
@@ -1141,7 +1143,7 @@
           <a:p>
             <a:fld id="{2AE83F40-30CF-4985-BD4F-EDD8204F892D}" type="datetimeFigureOut">
               <a:rPr lang="ko-KR" altLang="en-US" smtClean="0"/>
-              <a:t>2021-03-15</a:t>
+              <a:t>2021-03-16</a:t>
             </a:fld>
             <a:endParaRPr lang="ko-KR" altLang="en-US"/>
           </a:p>
@@ -1406,7 +1408,7 @@
           <a:p>
             <a:fld id="{2AE83F40-30CF-4985-BD4F-EDD8204F892D}" type="datetimeFigureOut">
               <a:rPr lang="ko-KR" altLang="en-US" smtClean="0"/>
-              <a:t>2021-03-15</a:t>
+              <a:t>2021-03-16</a:t>
             </a:fld>
             <a:endParaRPr lang="ko-KR" altLang="en-US"/>
           </a:p>
@@ -1818,7 +1820,7 @@
           <a:p>
             <a:fld id="{2AE83F40-30CF-4985-BD4F-EDD8204F892D}" type="datetimeFigureOut">
               <a:rPr lang="ko-KR" altLang="en-US" smtClean="0"/>
-              <a:t>2021-03-15</a:t>
+              <a:t>2021-03-16</a:t>
             </a:fld>
             <a:endParaRPr lang="ko-KR" altLang="en-US"/>
           </a:p>
@@ -1959,7 +1961,7 @@
           <a:p>
             <a:fld id="{2AE83F40-30CF-4985-BD4F-EDD8204F892D}" type="datetimeFigureOut">
               <a:rPr lang="ko-KR" altLang="en-US" smtClean="0"/>
-              <a:t>2021-03-15</a:t>
+              <a:t>2021-03-16</a:t>
             </a:fld>
             <a:endParaRPr lang="ko-KR" altLang="en-US"/>
           </a:p>
@@ -2072,7 +2074,7 @@
           <a:p>
             <a:fld id="{2AE83F40-30CF-4985-BD4F-EDD8204F892D}" type="datetimeFigureOut">
               <a:rPr lang="ko-KR" altLang="en-US" smtClean="0"/>
-              <a:t>2021-03-15</a:t>
+              <a:t>2021-03-16</a:t>
             </a:fld>
             <a:endParaRPr lang="ko-KR" altLang="en-US"/>
           </a:p>
@@ -2383,7 +2385,7 @@
           <a:p>
             <a:fld id="{2AE83F40-30CF-4985-BD4F-EDD8204F892D}" type="datetimeFigureOut">
               <a:rPr lang="ko-KR" altLang="en-US" smtClean="0"/>
-              <a:t>2021-03-15</a:t>
+              <a:t>2021-03-16</a:t>
             </a:fld>
             <a:endParaRPr lang="ko-KR" altLang="en-US"/>
           </a:p>
@@ -2671,7 +2673,7 @@
           <a:p>
             <a:fld id="{2AE83F40-30CF-4985-BD4F-EDD8204F892D}" type="datetimeFigureOut">
               <a:rPr lang="ko-KR" altLang="en-US" smtClean="0"/>
-              <a:t>2021-03-15</a:t>
+              <a:t>2021-03-16</a:t>
             </a:fld>
             <a:endParaRPr lang="ko-KR" altLang="en-US"/>
           </a:p>
@@ -2912,7 +2914,7 @@
           <a:p>
             <a:fld id="{2AE83F40-30CF-4985-BD4F-EDD8204F892D}" type="datetimeFigureOut">
               <a:rPr lang="ko-KR" altLang="en-US" smtClean="0"/>
-              <a:t>2021-03-15</a:t>
+              <a:t>2021-03-16</a:t>
             </a:fld>
             <a:endParaRPr lang="ko-KR" altLang="en-US"/>
           </a:p>
@@ -3400,7 +3402,7 @@
             <a:pPr algn="ctr"/>
             <a:r>
               <a:rPr lang="en-US" altLang="ko-KR" b="1" dirty="0"/>
-              <a:t>2021.03.15 </a:t>
+              <a:t>2021.03.16 </a:t>
             </a:r>
             <a:r>
               <a:rPr lang="ko-KR" altLang="en-US" b="1" dirty="0" err="1"/>
@@ -3457,7 +3459,7 @@
         </p:nvSpPr>
         <p:spPr>
           <a:xfrm>
-            <a:off x="189988" y="212436"/>
+            <a:off x="189988" y="2967335"/>
             <a:ext cx="1524776" cy="461665"/>
           </a:xfrm>
           <a:prstGeom prst="rect">
@@ -3492,8 +3494,8 @@
         </p:nvSpPr>
         <p:spPr>
           <a:xfrm>
-            <a:off x="952376" y="1154545"/>
-            <a:ext cx="6155916" cy="923330"/>
+            <a:off x="952376" y="4017166"/>
+            <a:ext cx="4209870" cy="923330"/>
           </a:xfrm>
           <a:prstGeom prst="rect">
             <a:avLst/>
@@ -3512,13 +3514,8 @@
             </a:pPr>
             <a:r>
               <a:rPr lang="en-US" altLang="ko-KR" dirty="0"/>
-              <a:t>Laravel8(php) + Jetstream(sanctum) – API </a:t>
-            </a:r>
-            <a:r>
-              <a:rPr lang="ko-KR" altLang="en-US" dirty="0"/>
-              <a:t>서버로 사용</a:t>
-            </a:r>
-            <a:endParaRPr lang="en-US" altLang="ko-KR" dirty="0"/>
+              <a:t>Laravel8(php) + Jetstream(sanctum)</a:t>
+            </a:r>
           </a:p>
           <a:p>
             <a:pPr marL="285750" indent="-285750">
@@ -3527,7 +3524,7 @@
             </a:pPr>
             <a:r>
               <a:rPr lang="en-US" altLang="ko-KR" dirty="0"/>
-              <a:t>MySQL - Database</a:t>
+              <a:t>MySQL – Database</a:t>
             </a:r>
           </a:p>
           <a:p>
@@ -3537,13 +3534,8 @@
             </a:pPr>
             <a:r>
               <a:rPr lang="en-US" altLang="ko-KR" dirty="0"/>
-              <a:t>React – Front-End </a:t>
-            </a:r>
-            <a:r>
-              <a:rPr lang="ko-KR" altLang="en-US" dirty="0"/>
-              <a:t>프레임워크</a:t>
-            </a:r>
-            <a:endParaRPr lang="en-US" altLang="ko-KR" dirty="0"/>
+              <a:t>Tailwind CSS – CSS Framework</a:t>
+            </a:r>
           </a:p>
         </p:txBody>
       </p:sp>
@@ -3561,8 +3553,8 @@
         </p:nvSpPr>
         <p:spPr>
           <a:xfrm>
-            <a:off x="189988" y="3429000"/>
-            <a:ext cx="1524776" cy="461665"/>
+            <a:off x="189988" y="214139"/>
+            <a:ext cx="2249334" cy="461665"/>
           </a:xfrm>
           <a:prstGeom prst="rect">
             <a:avLst/>
@@ -3577,7 +3569,7 @@
           <a:p>
             <a:r>
               <a:rPr lang="ko-KR" altLang="en-US" sz="2400" b="1" dirty="0"/>
-              <a:t>개발 모듈</a:t>
+              <a:t>모듈 개발 계획</a:t>
             </a:r>
           </a:p>
         </p:txBody>
@@ -3596,8 +3588,8 @@
         </p:nvSpPr>
         <p:spPr>
           <a:xfrm>
-            <a:off x="952376" y="2333004"/>
-            <a:ext cx="5747727" cy="338554"/>
+            <a:off x="952376" y="5190773"/>
+            <a:ext cx="5877571" cy="584775"/>
           </a:xfrm>
           <a:prstGeom prst="rect">
             <a:avLst/>
@@ -3610,13 +3602,17 @@
           </a:bodyPr>
           <a:lstStyle/>
           <a:p>
+            <a:pPr marL="285750" indent="-285750">
+              <a:buFont typeface="Wingdings" panose="05000000000000000000" pitchFamily="2" charset="2"/>
+              <a:buChar char="ü"/>
+            </a:pPr>
             <a:r>
               <a:rPr lang="en-US" altLang="ko-KR" sz="1600" dirty="0">
                 <a:solidFill>
                   <a:srgbClr val="FF0000"/>
                 </a:solidFill>
               </a:rPr>
-              <a:t>* Jetstream : </a:t>
+              <a:t>Jetstream : </a:t>
             </a:r>
             <a:r>
               <a:rPr lang="ko-KR" altLang="en-US" sz="1600" dirty="0">
@@ -3658,6 +3654,46 @@
               </a:rPr>
               <a:t>공식패키지</a:t>
             </a:r>
+            <a:endParaRPr lang="en-US" altLang="ko-KR" sz="1600" dirty="0">
+              <a:solidFill>
+                <a:srgbClr val="FF0000"/>
+              </a:solidFill>
+            </a:endParaRPr>
+          </a:p>
+          <a:p>
+            <a:pPr marL="285750" indent="-285750">
+              <a:buFont typeface="Wingdings" panose="05000000000000000000" pitchFamily="2" charset="2"/>
+              <a:buChar char="ü"/>
+            </a:pPr>
+            <a:r>
+              <a:rPr lang="en-US" altLang="ko-KR" sz="1600" dirty="0">
+                <a:solidFill>
+                  <a:srgbClr val="FF0000"/>
+                </a:solidFill>
+              </a:rPr>
+              <a:t>Tailwind CSS : Jetstream</a:t>
+            </a:r>
+            <a:r>
+              <a:rPr lang="ko-KR" altLang="en-US" sz="1600" dirty="0">
+                <a:solidFill>
+                  <a:srgbClr val="FF0000"/>
+                </a:solidFill>
+              </a:rPr>
+              <a:t>에 적용되어 있는 </a:t>
+            </a:r>
+            <a:r>
+              <a:rPr lang="en-US" altLang="ko-KR" sz="1600" dirty="0">
+                <a:solidFill>
+                  <a:srgbClr val="FF0000"/>
+                </a:solidFill>
+              </a:rPr>
+              <a:t>CSS Framework</a:t>
+            </a:r>
+            <a:endParaRPr lang="ko-KR" altLang="en-US" sz="1600" dirty="0">
+              <a:solidFill>
+                <a:srgbClr val="FF0000"/>
+              </a:solidFill>
+            </a:endParaRPr>
           </a:p>
         </p:txBody>
       </p:sp>
@@ -3675,8 +3711,8 @@
         </p:nvSpPr>
         <p:spPr>
           <a:xfrm>
-            <a:off x="952376" y="4315071"/>
-            <a:ext cx="7770076" cy="646331"/>
+            <a:off x="952376" y="1143107"/>
+            <a:ext cx="9369873" cy="646331"/>
           </a:xfrm>
           <a:prstGeom prst="rect">
             <a:avLst/>
@@ -3714,7 +3750,15 @@
             </a:r>
             <a:r>
               <a:rPr lang="ko-KR" altLang="en-US" dirty="0"/>
-              <a:t>기능구현</a:t>
+              <a:t>클래스 다이어그램</a:t>
+            </a:r>
+            <a:r>
+              <a:rPr lang="en-US" altLang="ko-KR" dirty="0"/>
+              <a:t>, </a:t>
+            </a:r>
+            <a:r>
+              <a:rPr lang="ko-KR" altLang="en-US" dirty="0"/>
+              <a:t>소스</a:t>
             </a:r>
             <a:r>
               <a:rPr lang="en-US" altLang="ko-KR" dirty="0"/>
@@ -3803,17 +3847,649 @@
           <a:p>
             <a:r>
               <a:rPr lang="ko-KR" altLang="en-US" sz="2400" b="1" dirty="0"/>
-              <a:t>개발 모듈</a:t>
-            </a:r>
+              <a:t>모듈 목록</a:t>
+            </a:r>
+          </a:p>
+        </p:txBody>
+      </p:sp>
+      <p:sp>
+        <p:nvSpPr>
+          <p:cNvPr id="6" name="TextBox 5">
+            <a:extLst>
+              <a:ext uri="{FF2B5EF4-FFF2-40B4-BE49-F238E27FC236}">
+                <a16:creationId xmlns:a16="http://schemas.microsoft.com/office/drawing/2014/main" id="{127FC4C7-0E8C-4340-B854-4EAA70112F40}"/>
+              </a:ext>
+            </a:extLst>
+          </p:cNvPr>
+          <p:cNvSpPr txBox="1"/>
+          <p:nvPr/>
+        </p:nvSpPr>
+        <p:spPr>
+          <a:xfrm>
+            <a:off x="189988" y="920208"/>
+            <a:ext cx="1478290" cy="369332"/>
+          </a:xfrm>
+          <a:prstGeom prst="rect">
+            <a:avLst/>
+          </a:prstGeom>
+          <a:noFill/>
+        </p:spPr>
+        <p:txBody>
+          <a:bodyPr wrap="none" rtlCol="0">
+            <a:spAutoFit/>
+          </a:bodyPr>
+          <a:lstStyle/>
+          <a:p>
+            <a:pPr marL="285750" indent="-285750">
+              <a:buFont typeface="Arial" panose="020B0604020202020204" pitchFamily="34" charset="0"/>
+              <a:buChar char="•"/>
+            </a:pPr>
+            <a:r>
+              <a:rPr lang="ko-KR" altLang="en-US" dirty="0"/>
+              <a:t>모듈 목록</a:t>
+            </a:r>
+          </a:p>
+        </p:txBody>
+      </p:sp>
+      <p:sp>
+        <p:nvSpPr>
+          <p:cNvPr id="4" name="직사각형 3">
+            <a:extLst>
+              <a:ext uri="{FF2B5EF4-FFF2-40B4-BE49-F238E27FC236}">
+                <a16:creationId xmlns:a16="http://schemas.microsoft.com/office/drawing/2014/main" id="{DC2796BA-EE1B-4062-8971-62568FDFA430}"/>
+              </a:ext>
+            </a:extLst>
+          </p:cNvPr>
+          <p:cNvSpPr/>
+          <p:nvPr/>
+        </p:nvSpPr>
+        <p:spPr>
+          <a:xfrm>
+            <a:off x="4216400" y="1671781"/>
+            <a:ext cx="1440000" cy="498763"/>
+          </a:xfrm>
+          <a:prstGeom prst="rect">
+            <a:avLst/>
+          </a:prstGeom>
+        </p:spPr>
+        <p:style>
+          <a:lnRef idx="2">
+            <a:schemeClr val="accent1">
+              <a:shade val="50000"/>
+            </a:schemeClr>
+          </a:lnRef>
+          <a:fillRef idx="1">
+            <a:schemeClr val="accent1"/>
+          </a:fillRef>
+          <a:effectRef idx="0">
+            <a:schemeClr val="accent1"/>
+          </a:effectRef>
+          <a:fontRef idx="minor">
+            <a:schemeClr val="lt1"/>
+          </a:fontRef>
+        </p:style>
+        <p:txBody>
+          <a:bodyPr rtlCol="0" anchor="ctr"/>
+          <a:lstStyle/>
+          <a:p>
+            <a:pPr algn="ctr"/>
+            <a:r>
+              <a:rPr lang="en-US" altLang="ko-KR" dirty="0"/>
+              <a:t>1.</a:t>
+            </a:r>
+            <a:r>
+              <a:rPr lang="ko-KR" altLang="en-US" dirty="0"/>
+              <a:t>사용자</a:t>
+            </a:r>
+          </a:p>
+        </p:txBody>
+      </p:sp>
+      <p:sp>
+        <p:nvSpPr>
+          <p:cNvPr id="9" name="직사각형 8">
+            <a:extLst>
+              <a:ext uri="{FF2B5EF4-FFF2-40B4-BE49-F238E27FC236}">
+                <a16:creationId xmlns:a16="http://schemas.microsoft.com/office/drawing/2014/main" id="{A8323116-733D-4368-A218-2FE3AF6908F6}"/>
+              </a:ext>
+            </a:extLst>
+          </p:cNvPr>
+          <p:cNvSpPr/>
+          <p:nvPr/>
+        </p:nvSpPr>
+        <p:spPr>
+          <a:xfrm>
+            <a:off x="9111674" y="1671781"/>
+            <a:ext cx="1440000" cy="498763"/>
+          </a:xfrm>
+          <a:prstGeom prst="rect">
+            <a:avLst/>
+          </a:prstGeom>
+        </p:spPr>
+        <p:style>
+          <a:lnRef idx="2">
+            <a:schemeClr val="accent1">
+              <a:shade val="50000"/>
+            </a:schemeClr>
+          </a:lnRef>
+          <a:fillRef idx="1">
+            <a:schemeClr val="accent1"/>
+          </a:fillRef>
+          <a:effectRef idx="0">
+            <a:schemeClr val="accent1"/>
+          </a:effectRef>
+          <a:fontRef idx="minor">
+            <a:schemeClr val="lt1"/>
+          </a:fontRef>
+        </p:style>
+        <p:txBody>
+          <a:bodyPr rtlCol="0" anchor="ctr"/>
+          <a:lstStyle/>
+          <a:p>
+            <a:pPr algn="ctr"/>
+            <a:r>
+              <a:rPr lang="en-US" altLang="ko-KR" dirty="0"/>
+              <a:t>3.</a:t>
+            </a:r>
+            <a:r>
+              <a:rPr lang="ko-KR" altLang="en-US" dirty="0"/>
+              <a:t>일정관리</a:t>
+            </a:r>
+          </a:p>
+        </p:txBody>
+      </p:sp>
+      <p:sp>
+        <p:nvSpPr>
+          <p:cNvPr id="12" name="직사각형 11">
+            <a:extLst>
+              <a:ext uri="{FF2B5EF4-FFF2-40B4-BE49-F238E27FC236}">
+                <a16:creationId xmlns:a16="http://schemas.microsoft.com/office/drawing/2014/main" id="{51702595-C36B-4148-B0DF-B210FB554292}"/>
+              </a:ext>
+            </a:extLst>
+          </p:cNvPr>
+          <p:cNvSpPr/>
+          <p:nvPr/>
+        </p:nvSpPr>
+        <p:spPr>
+          <a:xfrm>
+            <a:off x="6664037" y="1671781"/>
+            <a:ext cx="1440000" cy="498763"/>
+          </a:xfrm>
+          <a:prstGeom prst="rect">
+            <a:avLst/>
+          </a:prstGeom>
+        </p:spPr>
+        <p:style>
+          <a:lnRef idx="2">
+            <a:schemeClr val="accent1">
+              <a:shade val="50000"/>
+            </a:schemeClr>
+          </a:lnRef>
+          <a:fillRef idx="1">
+            <a:schemeClr val="accent1"/>
+          </a:fillRef>
+          <a:effectRef idx="0">
+            <a:schemeClr val="accent1"/>
+          </a:effectRef>
+          <a:fontRef idx="minor">
+            <a:schemeClr val="lt1"/>
+          </a:fontRef>
+        </p:style>
+        <p:txBody>
+          <a:bodyPr rtlCol="0" anchor="ctr"/>
+          <a:lstStyle/>
+          <a:p>
+            <a:pPr algn="ctr"/>
+            <a:r>
+              <a:rPr lang="en-US" altLang="ko-KR" dirty="0"/>
+              <a:t>2.</a:t>
+            </a:r>
+            <a:r>
+              <a:rPr lang="ko-KR" altLang="en-US" dirty="0"/>
+              <a:t>게시판</a:t>
+            </a:r>
+          </a:p>
+        </p:txBody>
+      </p:sp>
+      <p:sp>
+        <p:nvSpPr>
+          <p:cNvPr id="13" name="직사각형 12">
+            <a:extLst>
+              <a:ext uri="{FF2B5EF4-FFF2-40B4-BE49-F238E27FC236}">
+                <a16:creationId xmlns:a16="http://schemas.microsoft.com/office/drawing/2014/main" id="{3070A214-F8BA-48AE-9AF6-37D7EC7B40D6}"/>
+              </a:ext>
+            </a:extLst>
+          </p:cNvPr>
+          <p:cNvSpPr/>
+          <p:nvPr/>
+        </p:nvSpPr>
+        <p:spPr>
+          <a:xfrm>
+            <a:off x="6678287" y="3690034"/>
+            <a:ext cx="1440000" cy="498763"/>
+          </a:xfrm>
+          <a:prstGeom prst="rect">
+            <a:avLst/>
+          </a:prstGeom>
+        </p:spPr>
+        <p:style>
+          <a:lnRef idx="2">
+            <a:schemeClr val="accent1">
+              <a:shade val="50000"/>
+            </a:schemeClr>
+          </a:lnRef>
+          <a:fillRef idx="1">
+            <a:schemeClr val="accent1"/>
+          </a:fillRef>
+          <a:effectRef idx="0">
+            <a:schemeClr val="accent1"/>
+          </a:effectRef>
+          <a:fontRef idx="minor">
+            <a:schemeClr val="lt1"/>
+          </a:fontRef>
+        </p:style>
+        <p:txBody>
+          <a:bodyPr rtlCol="0" anchor="ctr"/>
+          <a:lstStyle/>
+          <a:p>
+            <a:pPr algn="ctr"/>
+            <a:r>
+              <a:rPr lang="en-US" altLang="ko-KR" dirty="0"/>
+              <a:t>5.</a:t>
+            </a:r>
+            <a:r>
+              <a:rPr lang="ko-KR" altLang="en-US" dirty="0"/>
+              <a:t>주소록</a:t>
+            </a:r>
+          </a:p>
+        </p:txBody>
+      </p:sp>
+      <p:sp>
+        <p:nvSpPr>
+          <p:cNvPr id="15" name="직사각형 14">
+            <a:extLst>
+              <a:ext uri="{FF2B5EF4-FFF2-40B4-BE49-F238E27FC236}">
+                <a16:creationId xmlns:a16="http://schemas.microsoft.com/office/drawing/2014/main" id="{E4075696-6E7D-444B-B3D2-584218C67E27}"/>
+              </a:ext>
+            </a:extLst>
+          </p:cNvPr>
+          <p:cNvSpPr/>
+          <p:nvPr/>
+        </p:nvSpPr>
+        <p:spPr>
+          <a:xfrm>
+            <a:off x="9140879" y="3690033"/>
+            <a:ext cx="1440000" cy="498763"/>
+          </a:xfrm>
+          <a:prstGeom prst="rect">
+            <a:avLst/>
+          </a:prstGeom>
+        </p:spPr>
+        <p:style>
+          <a:lnRef idx="2">
+            <a:schemeClr val="accent1">
+              <a:shade val="50000"/>
+            </a:schemeClr>
+          </a:lnRef>
+          <a:fillRef idx="1">
+            <a:schemeClr val="accent1"/>
+          </a:fillRef>
+          <a:effectRef idx="0">
+            <a:schemeClr val="accent1"/>
+          </a:effectRef>
+          <a:fontRef idx="minor">
+            <a:schemeClr val="lt1"/>
+          </a:fontRef>
+        </p:style>
+        <p:txBody>
+          <a:bodyPr rtlCol="0" anchor="ctr"/>
+          <a:lstStyle/>
+          <a:p>
+            <a:pPr algn="ctr"/>
+            <a:r>
+              <a:rPr lang="en-US" altLang="ko-KR" dirty="0"/>
+              <a:t>6.</a:t>
+            </a:r>
+            <a:r>
+              <a:rPr lang="ko-KR" altLang="en-US" dirty="0"/>
+              <a:t>전자결재</a:t>
+            </a:r>
+          </a:p>
+        </p:txBody>
+      </p:sp>
+      <p:sp>
+        <p:nvSpPr>
+          <p:cNvPr id="16" name="직사각형 15">
+            <a:extLst>
+              <a:ext uri="{FF2B5EF4-FFF2-40B4-BE49-F238E27FC236}">
+                <a16:creationId xmlns:a16="http://schemas.microsoft.com/office/drawing/2014/main" id="{64B71D0C-A331-483E-9063-C361C56C61ED}"/>
+              </a:ext>
+            </a:extLst>
+          </p:cNvPr>
+          <p:cNvSpPr/>
+          <p:nvPr/>
+        </p:nvSpPr>
+        <p:spPr>
+          <a:xfrm>
+            <a:off x="4216400" y="3708506"/>
+            <a:ext cx="1440000" cy="498763"/>
+          </a:xfrm>
+          <a:prstGeom prst="rect">
+            <a:avLst/>
+          </a:prstGeom>
+        </p:spPr>
+        <p:style>
+          <a:lnRef idx="2">
+            <a:schemeClr val="accent1">
+              <a:shade val="50000"/>
+            </a:schemeClr>
+          </a:lnRef>
+          <a:fillRef idx="1">
+            <a:schemeClr val="accent1"/>
+          </a:fillRef>
+          <a:effectRef idx="0">
+            <a:schemeClr val="accent1"/>
+          </a:effectRef>
+          <a:fontRef idx="minor">
+            <a:schemeClr val="lt1"/>
+          </a:fontRef>
+        </p:style>
+        <p:txBody>
+          <a:bodyPr rtlCol="0" anchor="ctr"/>
+          <a:lstStyle/>
+          <a:p>
+            <a:pPr algn="ctr"/>
+            <a:r>
+              <a:rPr lang="en-US" altLang="ko-KR" dirty="0"/>
+              <a:t>4.</a:t>
+            </a:r>
+            <a:r>
+              <a:rPr lang="ko-KR" altLang="en-US" dirty="0"/>
+              <a:t>메일</a:t>
+            </a:r>
+          </a:p>
+        </p:txBody>
+      </p:sp>
+      <p:sp>
+        <p:nvSpPr>
+          <p:cNvPr id="20" name="직사각형 19">
+            <a:extLst>
+              <a:ext uri="{FF2B5EF4-FFF2-40B4-BE49-F238E27FC236}">
+                <a16:creationId xmlns:a16="http://schemas.microsoft.com/office/drawing/2014/main" id="{675F6623-C1CE-4E26-A5BF-B15BDCEE0A9B}"/>
+              </a:ext>
+            </a:extLst>
+          </p:cNvPr>
+          <p:cNvSpPr/>
+          <p:nvPr/>
+        </p:nvSpPr>
+        <p:spPr>
+          <a:xfrm>
+            <a:off x="4216400" y="5495849"/>
+            <a:ext cx="1440000" cy="498763"/>
+          </a:xfrm>
+          <a:prstGeom prst="rect">
+            <a:avLst/>
+          </a:prstGeom>
+        </p:spPr>
+        <p:style>
+          <a:lnRef idx="2">
+            <a:schemeClr val="accent1">
+              <a:shade val="50000"/>
+            </a:schemeClr>
+          </a:lnRef>
+          <a:fillRef idx="1">
+            <a:schemeClr val="accent1"/>
+          </a:fillRef>
+          <a:effectRef idx="0">
+            <a:schemeClr val="accent1"/>
+          </a:effectRef>
+          <a:fontRef idx="minor">
+            <a:schemeClr val="lt1"/>
+          </a:fontRef>
+        </p:style>
+        <p:txBody>
+          <a:bodyPr rtlCol="0" anchor="ctr"/>
+          <a:lstStyle/>
+          <a:p>
+            <a:pPr algn="ctr"/>
+            <a:r>
+              <a:rPr lang="en-US" altLang="ko-KR" dirty="0"/>
+              <a:t>7.</a:t>
+            </a:r>
+            <a:r>
+              <a:rPr lang="ko-KR" altLang="en-US" dirty="0"/>
+              <a:t>통계</a:t>
+            </a:r>
+          </a:p>
+        </p:txBody>
+      </p:sp>
+      <p:sp>
+        <p:nvSpPr>
+          <p:cNvPr id="21" name="TextBox 20">
+            <a:extLst>
+              <a:ext uri="{FF2B5EF4-FFF2-40B4-BE49-F238E27FC236}">
+                <a16:creationId xmlns:a16="http://schemas.microsoft.com/office/drawing/2014/main" id="{11C1291E-B240-4AD4-9EB4-60A09A1E1434}"/>
+              </a:ext>
+            </a:extLst>
+          </p:cNvPr>
+          <p:cNvSpPr txBox="1"/>
+          <p:nvPr/>
+        </p:nvSpPr>
+        <p:spPr>
+          <a:xfrm>
+            <a:off x="4216401" y="2272254"/>
+            <a:ext cx="934871" cy="646331"/>
+          </a:xfrm>
+          <a:prstGeom prst="rect">
+            <a:avLst/>
+          </a:prstGeom>
+          <a:noFill/>
+        </p:spPr>
+        <p:txBody>
+          <a:bodyPr wrap="none" rtlCol="0">
+            <a:spAutoFit/>
+          </a:bodyPr>
+          <a:lstStyle/>
+          <a:p>
+            <a:pPr marL="285750" indent="-285750">
+              <a:buFont typeface="Arial" panose="020B0604020202020204" pitchFamily="34" charset="0"/>
+              <a:buChar char="•"/>
+            </a:pPr>
+            <a:r>
+              <a:rPr lang="ko-KR" altLang="en-US" dirty="0"/>
+              <a:t>인증</a:t>
+            </a:r>
+            <a:endParaRPr lang="en-US" altLang="ko-KR" dirty="0"/>
+          </a:p>
+          <a:p>
+            <a:pPr marL="285750" indent="-285750">
+              <a:buFont typeface="Arial" panose="020B0604020202020204" pitchFamily="34" charset="0"/>
+              <a:buChar char="•"/>
+            </a:pPr>
+            <a:r>
+              <a:rPr lang="ko-KR" altLang="en-US" dirty="0"/>
+              <a:t>권한</a:t>
+            </a:r>
+            <a:endParaRPr lang="en-US" altLang="ko-KR" dirty="0"/>
+          </a:p>
+        </p:txBody>
+      </p:sp>
+      <p:sp>
+        <p:nvSpPr>
+          <p:cNvPr id="23" name="TextBox 22">
+            <a:extLst>
+              <a:ext uri="{FF2B5EF4-FFF2-40B4-BE49-F238E27FC236}">
+                <a16:creationId xmlns:a16="http://schemas.microsoft.com/office/drawing/2014/main" id="{29A2A5DA-1502-4BF1-9D48-16FE06A4F930}"/>
+              </a:ext>
+            </a:extLst>
+          </p:cNvPr>
+          <p:cNvSpPr txBox="1"/>
+          <p:nvPr/>
+        </p:nvSpPr>
+        <p:spPr>
+          <a:xfrm>
+            <a:off x="6664038" y="2272253"/>
+            <a:ext cx="1709122" cy="646331"/>
+          </a:xfrm>
+          <a:prstGeom prst="rect">
+            <a:avLst/>
+          </a:prstGeom>
+          <a:noFill/>
+        </p:spPr>
+        <p:txBody>
+          <a:bodyPr wrap="none" rtlCol="0">
+            <a:spAutoFit/>
+          </a:bodyPr>
+          <a:lstStyle/>
+          <a:p>
+            <a:pPr marL="285750" indent="-285750">
+              <a:buFont typeface="Arial" panose="020B0604020202020204" pitchFamily="34" charset="0"/>
+              <a:buChar char="•"/>
+            </a:pPr>
+            <a:r>
+              <a:rPr lang="ko-KR" altLang="en-US" dirty="0"/>
+              <a:t>게시판 관리</a:t>
+            </a:r>
+            <a:endParaRPr lang="en-US" altLang="ko-KR" dirty="0"/>
+          </a:p>
+          <a:p>
+            <a:pPr marL="285750" indent="-285750">
+              <a:buFont typeface="Arial" panose="020B0604020202020204" pitchFamily="34" charset="0"/>
+              <a:buChar char="•"/>
+            </a:pPr>
+            <a:r>
+              <a:rPr lang="ko-KR" altLang="en-US" dirty="0"/>
+              <a:t>댓글 관리</a:t>
+            </a:r>
+            <a:endParaRPr lang="en-US" altLang="ko-KR" dirty="0"/>
+          </a:p>
+        </p:txBody>
+      </p:sp>
+      <p:sp>
+        <p:nvSpPr>
+          <p:cNvPr id="24" name="TextBox 23">
+            <a:extLst>
+              <a:ext uri="{FF2B5EF4-FFF2-40B4-BE49-F238E27FC236}">
+                <a16:creationId xmlns:a16="http://schemas.microsoft.com/office/drawing/2014/main" id="{F8081911-D9CB-46CA-834C-63512144FB23}"/>
+              </a:ext>
+            </a:extLst>
+          </p:cNvPr>
+          <p:cNvSpPr txBox="1"/>
+          <p:nvPr/>
+        </p:nvSpPr>
+        <p:spPr>
+          <a:xfrm>
+            <a:off x="9111675" y="2272252"/>
+            <a:ext cx="1165704" cy="369332"/>
+          </a:xfrm>
+          <a:prstGeom prst="rect">
+            <a:avLst/>
+          </a:prstGeom>
+          <a:noFill/>
+        </p:spPr>
+        <p:txBody>
+          <a:bodyPr wrap="none" rtlCol="0">
+            <a:spAutoFit/>
+          </a:bodyPr>
+          <a:lstStyle/>
+          <a:p>
+            <a:pPr marL="285750" indent="-285750">
+              <a:buFont typeface="Arial" panose="020B0604020202020204" pitchFamily="34" charset="0"/>
+              <a:buChar char="•"/>
+            </a:pPr>
+            <a:r>
+              <a:rPr lang="ko-KR" altLang="en-US" dirty="0"/>
+              <a:t>캘린더</a:t>
+            </a:r>
+            <a:endParaRPr lang="en-US" altLang="ko-KR" dirty="0"/>
+          </a:p>
+        </p:txBody>
+      </p:sp>
+      <p:sp>
+        <p:nvSpPr>
+          <p:cNvPr id="25" name="TextBox 24">
+            <a:extLst>
+              <a:ext uri="{FF2B5EF4-FFF2-40B4-BE49-F238E27FC236}">
+                <a16:creationId xmlns:a16="http://schemas.microsoft.com/office/drawing/2014/main" id="{5AFAB258-66C0-4323-A4C1-E665D175FBAF}"/>
+              </a:ext>
+            </a:extLst>
+          </p:cNvPr>
+          <p:cNvSpPr txBox="1"/>
+          <p:nvPr/>
+        </p:nvSpPr>
+        <p:spPr>
+          <a:xfrm>
+            <a:off x="6678288" y="4290505"/>
+            <a:ext cx="1709122" cy="369332"/>
+          </a:xfrm>
+          <a:prstGeom prst="rect">
+            <a:avLst/>
+          </a:prstGeom>
+          <a:noFill/>
+        </p:spPr>
+        <p:txBody>
+          <a:bodyPr wrap="none" rtlCol="0">
+            <a:spAutoFit/>
+          </a:bodyPr>
+          <a:lstStyle/>
+          <a:p>
+            <a:pPr marL="285750" indent="-285750">
+              <a:buFont typeface="Arial" panose="020B0604020202020204" pitchFamily="34" charset="0"/>
+              <a:buChar char="•"/>
+            </a:pPr>
+            <a:r>
+              <a:rPr lang="ko-KR" altLang="en-US" dirty="0"/>
+              <a:t>주소록 관리</a:t>
+            </a:r>
+            <a:endParaRPr lang="en-US" altLang="ko-KR" dirty="0"/>
+          </a:p>
+        </p:txBody>
+      </p:sp>
+      <p:sp>
+        <p:nvSpPr>
+          <p:cNvPr id="26" name="TextBox 25">
+            <a:extLst>
+              <a:ext uri="{FF2B5EF4-FFF2-40B4-BE49-F238E27FC236}">
+                <a16:creationId xmlns:a16="http://schemas.microsoft.com/office/drawing/2014/main" id="{2547D0B6-8A88-454C-870A-5DB13E3B11C4}"/>
+              </a:ext>
+            </a:extLst>
+          </p:cNvPr>
+          <p:cNvSpPr txBox="1"/>
+          <p:nvPr/>
+        </p:nvSpPr>
+        <p:spPr>
+          <a:xfrm>
+            <a:off x="4216401" y="4308977"/>
+            <a:ext cx="1709122" cy="369332"/>
+          </a:xfrm>
+          <a:prstGeom prst="rect">
+            <a:avLst/>
+          </a:prstGeom>
+          <a:noFill/>
+        </p:spPr>
+        <p:txBody>
+          <a:bodyPr wrap="none" rtlCol="0">
+            <a:spAutoFit/>
+          </a:bodyPr>
+          <a:lstStyle/>
+          <a:p>
+            <a:pPr marL="285750" indent="-285750">
+              <a:buFont typeface="Arial" panose="020B0604020202020204" pitchFamily="34" charset="0"/>
+              <a:buChar char="•"/>
+            </a:pPr>
+            <a:r>
+              <a:rPr lang="ko-KR" altLang="en-US" dirty="0"/>
+              <a:t>솔루션 연동</a:t>
+            </a:r>
+            <a:endParaRPr lang="en-US" altLang="ko-KR" dirty="0"/>
           </a:p>
         </p:txBody>
       </p:sp>
       <p:pic>
         <p:nvPicPr>
-          <p:cNvPr id="11" name="그림 10">
-            <a:extLst>
-              <a:ext uri="{FF2B5EF4-FFF2-40B4-BE49-F238E27FC236}">
-                <a16:creationId xmlns:a16="http://schemas.microsoft.com/office/drawing/2014/main" id="{C2BCFDBB-0DAB-4789-8B84-304940BB6484}"/>
+          <p:cNvPr id="27" name="그림 26">
+            <a:extLst>
+              <a:ext uri="{FF2B5EF4-FFF2-40B4-BE49-F238E27FC236}">
+                <a16:creationId xmlns:a16="http://schemas.microsoft.com/office/drawing/2014/main" id="{5917A70C-72A3-4370-8A29-3D5578B342DF}"/>
               </a:ext>
             </a:extLst>
           </p:cNvPr>
@@ -3830,8 +4506,8 @@
         </p:blipFill>
         <p:spPr>
           <a:xfrm>
-            <a:off x="952376" y="1446558"/>
-            <a:ext cx="3175869" cy="5095743"/>
+            <a:off x="365524" y="1535646"/>
+            <a:ext cx="3098112" cy="4831683"/>
           </a:xfrm>
           <a:prstGeom prst="rect">
             <a:avLst/>
@@ -3840,10 +4516,10 @@
       </p:pic>
       <p:sp>
         <p:nvSpPr>
-          <p:cNvPr id="2" name="TextBox 1">
-            <a:extLst>
-              <a:ext uri="{FF2B5EF4-FFF2-40B4-BE49-F238E27FC236}">
-                <a16:creationId xmlns:a16="http://schemas.microsoft.com/office/drawing/2014/main" id="{8BFFB8FA-C25F-4449-B05E-8795A703FE8A}"/>
+          <p:cNvPr id="28" name="TextBox 27">
+            <a:extLst>
+              <a:ext uri="{FF2B5EF4-FFF2-40B4-BE49-F238E27FC236}">
+                <a16:creationId xmlns:a16="http://schemas.microsoft.com/office/drawing/2014/main" id="{50883E48-6962-42D6-A95C-16414B1ADB3F}"/>
               </a:ext>
             </a:extLst>
           </p:cNvPr>
@@ -3852,8 +4528,8 @@
         </p:nvSpPr>
         <p:spPr>
           <a:xfrm>
-            <a:off x="579673" y="920208"/>
-            <a:ext cx="3175869" cy="369332"/>
+            <a:off x="6582165" y="5575953"/>
+            <a:ext cx="2558714" cy="584775"/>
           </a:xfrm>
           <a:prstGeom prst="rect">
             <a:avLst/>
@@ -3867,26 +4543,69 @@
           <a:lstStyle/>
           <a:p>
             <a:pPr marL="285750" indent="-285750">
-              <a:buFont typeface="Arial" panose="020B0604020202020204" pitchFamily="34" charset="0"/>
-              <a:buChar char="•"/>
+              <a:buFont typeface="Wingdings" panose="05000000000000000000" pitchFamily="2" charset="2"/>
+              <a:buChar char="ü"/>
             </a:pPr>
             <a:r>
-              <a:rPr lang="ko-KR" altLang="en-US" dirty="0" err="1"/>
-              <a:t>표준프레임워크</a:t>
-            </a:r>
-            <a:r>
-              <a:rPr lang="ko-KR" altLang="en-US" dirty="0"/>
-              <a:t> 모듈 종류</a:t>
-            </a:r>
-          </a:p>
-        </p:txBody>
-      </p:sp>
-      <p:sp>
-        <p:nvSpPr>
-          <p:cNvPr id="6" name="TextBox 5">
-            <a:extLst>
-              <a:ext uri="{FF2B5EF4-FFF2-40B4-BE49-F238E27FC236}">
-                <a16:creationId xmlns:a16="http://schemas.microsoft.com/office/drawing/2014/main" id="{127FC4C7-0E8C-4340-B854-4EAA70112F40}"/>
+              <a:rPr lang="ko-KR" altLang="en-US" sz="1600" dirty="0">
+                <a:solidFill>
+                  <a:srgbClr val="FF0000"/>
+                </a:solidFill>
+              </a:rPr>
+              <a:t>모듈 기능 추가</a:t>
+            </a:r>
+            <a:endParaRPr lang="en-US" altLang="ko-KR" sz="1600" dirty="0">
+              <a:solidFill>
+                <a:srgbClr val="FF0000"/>
+              </a:solidFill>
+            </a:endParaRPr>
+          </a:p>
+          <a:p>
+            <a:pPr marL="285750" indent="-285750">
+              <a:buFont typeface="Wingdings" panose="05000000000000000000" pitchFamily="2" charset="2"/>
+              <a:buChar char="ü"/>
+            </a:pPr>
+            <a:r>
+              <a:rPr lang="en-US" altLang="ko-KR" sz="1600" dirty="0">
+                <a:solidFill>
+                  <a:srgbClr val="FF0000"/>
+                </a:solidFill>
+              </a:rPr>
+              <a:t>1</a:t>
+            </a:r>
+            <a:r>
+              <a:rPr lang="ko-KR" altLang="en-US" sz="1600" dirty="0">
+                <a:solidFill>
+                  <a:srgbClr val="FF0000"/>
+                </a:solidFill>
+              </a:rPr>
+              <a:t>주에 </a:t>
+            </a:r>
+            <a:r>
+              <a:rPr lang="en-US" altLang="ko-KR" sz="1600" dirty="0">
+                <a:solidFill>
+                  <a:srgbClr val="FF0000"/>
+                </a:solidFill>
+              </a:rPr>
+              <a:t>1</a:t>
+            </a:r>
+            <a:r>
+              <a:rPr lang="ko-KR" altLang="en-US" sz="1600" dirty="0">
+                <a:solidFill>
+                  <a:srgbClr val="FF0000"/>
+                </a:solidFill>
+              </a:rPr>
+              <a:t>모듈 완성 목표</a:t>
+            </a:r>
+          </a:p>
+        </p:txBody>
+      </p:sp>
+      <p:sp>
+        <p:nvSpPr>
+          <p:cNvPr id="29" name="TextBox 28">
+            <a:extLst>
+              <a:ext uri="{FF2B5EF4-FFF2-40B4-BE49-F238E27FC236}">
+                <a16:creationId xmlns:a16="http://schemas.microsoft.com/office/drawing/2014/main" id="{F679EBF1-D823-4383-8FAA-8051A9743122}"/>
               </a:ext>
             </a:extLst>
           </p:cNvPr>
@@ -3895,7 +4614,7 @@
         </p:nvSpPr>
         <p:spPr>
           <a:xfrm>
-            <a:off x="5562691" y="920208"/>
+            <a:off x="3851404" y="920208"/>
             <a:ext cx="1939955" cy="369332"/>
           </a:xfrm>
           <a:prstGeom prst="rect">
@@ -3950,10 +4669,809 @@
           <a:chExt cx="0" cy="0"/>
         </a:xfrm>
       </p:grpSpPr>
+      <p:sp>
+        <p:nvSpPr>
+          <p:cNvPr id="2" name="TextBox 1">
+            <a:extLst>
+              <a:ext uri="{FF2B5EF4-FFF2-40B4-BE49-F238E27FC236}">
+                <a16:creationId xmlns:a16="http://schemas.microsoft.com/office/drawing/2014/main" id="{6E16E838-1628-4154-BD45-0D30AD46F2BE}"/>
+              </a:ext>
+            </a:extLst>
+          </p:cNvPr>
+          <p:cNvSpPr txBox="1"/>
+          <p:nvPr/>
+        </p:nvSpPr>
+        <p:spPr>
+          <a:xfrm>
+            <a:off x="189988" y="212436"/>
+            <a:ext cx="4095993" cy="461665"/>
+          </a:xfrm>
+          <a:prstGeom prst="rect">
+            <a:avLst/>
+          </a:prstGeom>
+          <a:noFill/>
+        </p:spPr>
+        <p:txBody>
+          <a:bodyPr wrap="none" rtlCol="0">
+            <a:spAutoFit/>
+          </a:bodyPr>
+          <a:lstStyle/>
+          <a:p>
+            <a:r>
+              <a:rPr lang="ko-KR" altLang="en-US" sz="2400" b="1" dirty="0" err="1"/>
+              <a:t>표준프레임워크</a:t>
+            </a:r>
+            <a:r>
+              <a:rPr lang="ko-KR" altLang="en-US" sz="2400" b="1" dirty="0"/>
+              <a:t> 가이드 참조</a:t>
+            </a:r>
+          </a:p>
+        </p:txBody>
+      </p:sp>
+      <p:pic>
+        <p:nvPicPr>
+          <p:cNvPr id="1026" name="Picture 2">
+            <a:extLst>
+              <a:ext uri="{FF2B5EF4-FFF2-40B4-BE49-F238E27FC236}">
+                <a16:creationId xmlns:a16="http://schemas.microsoft.com/office/drawing/2014/main" id="{A11D31F1-C473-419A-A004-886AD77C1E17}"/>
+              </a:ext>
+            </a:extLst>
+          </p:cNvPr>
+          <p:cNvPicPr>
+            <a:picLocks noChangeAspect="1" noChangeArrowheads="1"/>
+          </p:cNvPicPr>
+          <p:nvPr/>
+        </p:nvPicPr>
+        <p:blipFill>
+          <a:blip r:embed="rId2">
+            <a:extLst>
+              <a:ext uri="{28A0092B-C50C-407E-A947-70E740481C1C}">
+                <a14:useLocalDpi xmlns:a14="http://schemas.microsoft.com/office/drawing/2010/main" val="0"/>
+              </a:ext>
+            </a:extLst>
+          </a:blip>
+          <a:srcRect/>
+          <a:stretch>
+            <a:fillRect/>
+          </a:stretch>
+        </p:blipFill>
+        <p:spPr bwMode="auto">
+          <a:xfrm>
+            <a:off x="2327358" y="1408140"/>
+            <a:ext cx="7204569" cy="5006232"/>
+          </a:xfrm>
+          <a:prstGeom prst="rect">
+            <a:avLst/>
+          </a:prstGeom>
+          <a:noFill/>
+          <a:extLst>
+            <a:ext uri="{909E8E84-426E-40DD-AFC4-6F175D3DCCD1}">
+              <a14:hiddenFill xmlns:a14="http://schemas.microsoft.com/office/drawing/2010/main">
+                <a:solidFill>
+                  <a:srgbClr val="FFFFFF"/>
+                </a:solidFill>
+              </a14:hiddenFill>
+            </a:ext>
+          </a:extLst>
+        </p:spPr>
+      </p:pic>
+      <p:sp>
+        <p:nvSpPr>
+          <p:cNvPr id="4" name="TextBox 3">
+            <a:extLst>
+              <a:ext uri="{FF2B5EF4-FFF2-40B4-BE49-F238E27FC236}">
+                <a16:creationId xmlns:a16="http://schemas.microsoft.com/office/drawing/2014/main" id="{A65BB66B-7874-4868-86C0-003C0B0BE2CF}"/>
+              </a:ext>
+            </a:extLst>
+          </p:cNvPr>
+          <p:cNvSpPr txBox="1">
+            <a:spLocks/>
+          </p:cNvSpPr>
+          <p:nvPr/>
+        </p:nvSpPr>
+        <p:spPr>
+          <a:xfrm>
+            <a:off x="533179" y="856454"/>
+            <a:ext cx="4172937" cy="369332"/>
+          </a:xfrm>
+          <a:prstGeom prst="rect">
+            <a:avLst/>
+          </a:prstGeom>
+          <a:noFill/>
+        </p:spPr>
+        <p:txBody>
+          <a:bodyPr wrap="none" rtlCol="0">
+            <a:spAutoFit/>
+          </a:bodyPr>
+          <a:lstStyle/>
+          <a:p>
+            <a:pPr marL="285750" indent="-285750">
+              <a:buFont typeface="Arial" panose="020B0604020202020204" pitchFamily="34" charset="0"/>
+              <a:buChar char="•"/>
+            </a:pPr>
+            <a:r>
+              <a:rPr lang="ko-KR" altLang="en-US" dirty="0"/>
+              <a:t>로그인 관리 클래스 다이어그램 </a:t>
+            </a:r>
+            <a:r>
+              <a:rPr lang="en-US" altLang="ko-KR" dirty="0"/>
+              <a:t>(</a:t>
+            </a:r>
+            <a:r>
+              <a:rPr lang="ko-KR" altLang="en-US" dirty="0"/>
+              <a:t>예</a:t>
+            </a:r>
+            <a:r>
+              <a:rPr lang="en-US" altLang="ko-KR" dirty="0"/>
+              <a:t>)</a:t>
+            </a:r>
+          </a:p>
+        </p:txBody>
+      </p:sp>
+      <p:sp>
+        <p:nvSpPr>
+          <p:cNvPr id="5" name="TextBox 4">
+            <a:extLst>
+              <a:ext uri="{FF2B5EF4-FFF2-40B4-BE49-F238E27FC236}">
+                <a16:creationId xmlns:a16="http://schemas.microsoft.com/office/drawing/2014/main" id="{FDDEC9C0-B4B4-42FC-AD04-09FB0971C233}"/>
+              </a:ext>
+            </a:extLst>
+          </p:cNvPr>
+          <p:cNvSpPr txBox="1"/>
+          <p:nvPr/>
+        </p:nvSpPr>
+        <p:spPr>
+          <a:xfrm>
+            <a:off x="189988" y="6507064"/>
+            <a:ext cx="6349367" cy="276999"/>
+          </a:xfrm>
+          <a:prstGeom prst="rect">
+            <a:avLst/>
+          </a:prstGeom>
+          <a:noFill/>
+        </p:spPr>
+        <p:txBody>
+          <a:bodyPr wrap="none" rtlCol="0">
+            <a:spAutoFit/>
+          </a:bodyPr>
+          <a:lstStyle/>
+          <a:p>
+            <a:r>
+              <a:rPr lang="en-US" altLang="ko-KR" sz="1200" dirty="0"/>
+              <a:t>https://www.egovframe.go.kr/wiki/doku.php?id=egovframework:com:v3.9:uat:</a:t>
+            </a:r>
+            <a:r>
+              <a:rPr lang="ko-KR" altLang="en-US" sz="1200" dirty="0"/>
+              <a:t>일반로그인</a:t>
+            </a:r>
+          </a:p>
+        </p:txBody>
+      </p:sp>
+    </p:spTree>
+    <p:extLst>
+      <p:ext uri="{BB962C8B-B14F-4D97-AF65-F5344CB8AC3E}">
+        <p14:creationId xmlns:p14="http://schemas.microsoft.com/office/powerpoint/2010/main" val="3680297645"/>
+      </p:ext>
+    </p:extLst>
+  </p:cSld>
+  <p:clrMapOvr>
+    <a:masterClrMapping/>
+  </p:clrMapOvr>
+</p:sld>
+</file>
+
+<file path=ppt/slides/slide5.xml><?xml version="1.0" encoding="utf-8"?>
+<p:sld xmlns:a="http://schemas.openxmlformats.org/drawingml/2006/main" xmlns:r="http://schemas.openxmlformats.org/officeDocument/2006/relationships" xmlns:p="http://schemas.openxmlformats.org/presentationml/2006/main">
+  <p:cSld>
+    <p:spTree>
+      <p:nvGrpSpPr>
+        <p:cNvPr id="1" name=""/>
+        <p:cNvGrpSpPr/>
+        <p:nvPr/>
+      </p:nvGrpSpPr>
+      <p:grpSpPr>
+        <a:xfrm>
+          <a:off x="0" y="0"/>
+          <a:ext cx="0" cy="0"/>
+          <a:chOff x="0" y="0"/>
+          <a:chExt cx="0" cy="0"/>
+        </a:xfrm>
+      </p:grpSpPr>
+      <p:sp>
+        <p:nvSpPr>
+          <p:cNvPr id="2" name="TextBox 1">
+            <a:extLst>
+              <a:ext uri="{FF2B5EF4-FFF2-40B4-BE49-F238E27FC236}">
+                <a16:creationId xmlns:a16="http://schemas.microsoft.com/office/drawing/2014/main" id="{6E16E838-1628-4154-BD45-0D30AD46F2BE}"/>
+              </a:ext>
+            </a:extLst>
+          </p:cNvPr>
+          <p:cNvSpPr txBox="1"/>
+          <p:nvPr/>
+        </p:nvSpPr>
+        <p:spPr>
+          <a:xfrm>
+            <a:off x="189988" y="212436"/>
+            <a:ext cx="4095993" cy="461665"/>
+          </a:xfrm>
+          <a:prstGeom prst="rect">
+            <a:avLst/>
+          </a:prstGeom>
+          <a:noFill/>
+        </p:spPr>
+        <p:txBody>
+          <a:bodyPr wrap="none" rtlCol="0">
+            <a:spAutoFit/>
+          </a:bodyPr>
+          <a:lstStyle/>
+          <a:p>
+            <a:r>
+              <a:rPr lang="ko-KR" altLang="en-US" sz="2400" b="1" dirty="0" err="1"/>
+              <a:t>표준프레임워크</a:t>
+            </a:r>
+            <a:r>
+              <a:rPr lang="ko-KR" altLang="en-US" sz="2400" b="1" dirty="0"/>
+              <a:t> 가이드 참조</a:t>
+            </a:r>
+          </a:p>
+        </p:txBody>
+      </p:sp>
+      <p:sp>
+        <p:nvSpPr>
+          <p:cNvPr id="4" name="TextBox 3">
+            <a:extLst>
+              <a:ext uri="{FF2B5EF4-FFF2-40B4-BE49-F238E27FC236}">
+                <a16:creationId xmlns:a16="http://schemas.microsoft.com/office/drawing/2014/main" id="{A65BB66B-7874-4868-86C0-003C0B0BE2CF}"/>
+              </a:ext>
+            </a:extLst>
+          </p:cNvPr>
+          <p:cNvSpPr txBox="1">
+            <a:spLocks/>
+          </p:cNvSpPr>
+          <p:nvPr/>
+        </p:nvSpPr>
+        <p:spPr>
+          <a:xfrm>
+            <a:off x="533179" y="856454"/>
+            <a:ext cx="3328155" cy="369332"/>
+          </a:xfrm>
+          <a:prstGeom prst="rect">
+            <a:avLst/>
+          </a:prstGeom>
+          <a:noFill/>
+        </p:spPr>
+        <p:txBody>
+          <a:bodyPr wrap="none" rtlCol="0">
+            <a:spAutoFit/>
+          </a:bodyPr>
+          <a:lstStyle/>
+          <a:p>
+            <a:pPr marL="285750" indent="-285750">
+              <a:buFont typeface="Arial" panose="020B0604020202020204" pitchFamily="34" charset="0"/>
+              <a:buChar char="•"/>
+            </a:pPr>
+            <a:r>
+              <a:rPr lang="ko-KR" altLang="en-US" dirty="0"/>
+              <a:t>로그인 관리 관련소스 목록</a:t>
+            </a:r>
+            <a:endParaRPr lang="en-US" altLang="ko-KR" dirty="0"/>
+          </a:p>
+        </p:txBody>
+      </p:sp>
+      <p:pic>
+        <p:nvPicPr>
+          <p:cNvPr id="5" name="그림 4">
+            <a:extLst>
+              <a:ext uri="{FF2B5EF4-FFF2-40B4-BE49-F238E27FC236}">
+                <a16:creationId xmlns:a16="http://schemas.microsoft.com/office/drawing/2014/main" id="{C765930B-CE67-429B-8073-D2478F529486}"/>
+              </a:ext>
+            </a:extLst>
+          </p:cNvPr>
+          <p:cNvPicPr>
+            <a:picLocks noChangeAspect="1"/>
+          </p:cNvPicPr>
+          <p:nvPr/>
+        </p:nvPicPr>
+        <p:blipFill>
+          <a:blip r:embed="rId2"/>
+          <a:stretch>
+            <a:fillRect/>
+          </a:stretch>
+        </p:blipFill>
+        <p:spPr>
+          <a:xfrm>
+            <a:off x="297290" y="1318563"/>
+            <a:ext cx="7977381" cy="4220873"/>
+          </a:xfrm>
+          <a:prstGeom prst="rect">
+            <a:avLst/>
+          </a:prstGeom>
+        </p:spPr>
+      </p:pic>
+      <p:pic>
+        <p:nvPicPr>
+          <p:cNvPr id="7" name="그림 6">
+            <a:extLst>
+              <a:ext uri="{FF2B5EF4-FFF2-40B4-BE49-F238E27FC236}">
+                <a16:creationId xmlns:a16="http://schemas.microsoft.com/office/drawing/2014/main" id="{F2EF82A6-E0F4-4F4F-9AF6-43A4109D92A8}"/>
+              </a:ext>
+            </a:extLst>
+          </p:cNvPr>
+          <p:cNvPicPr>
+            <a:picLocks noChangeAspect="1"/>
+          </p:cNvPicPr>
+          <p:nvPr/>
+        </p:nvPicPr>
+        <p:blipFill>
+          <a:blip r:embed="rId3"/>
+          <a:stretch>
+            <a:fillRect/>
+          </a:stretch>
+        </p:blipFill>
+        <p:spPr>
+          <a:xfrm>
+            <a:off x="6656711" y="2387646"/>
+            <a:ext cx="5237999" cy="4119418"/>
+          </a:xfrm>
+          <a:prstGeom prst="rect">
+            <a:avLst/>
+          </a:prstGeom>
+          <a:ln w="28575">
+            <a:solidFill>
+              <a:srgbClr val="FF0000"/>
+            </a:solidFill>
+          </a:ln>
+        </p:spPr>
+      </p:pic>
+      <p:sp>
+        <p:nvSpPr>
+          <p:cNvPr id="8" name="직사각형 7">
+            <a:extLst>
+              <a:ext uri="{FF2B5EF4-FFF2-40B4-BE49-F238E27FC236}">
+                <a16:creationId xmlns:a16="http://schemas.microsoft.com/office/drawing/2014/main" id="{4E13B4EB-3F46-49DE-8F31-341BC507C1D3}"/>
+              </a:ext>
+            </a:extLst>
+          </p:cNvPr>
+          <p:cNvSpPr/>
+          <p:nvPr/>
+        </p:nvSpPr>
+        <p:spPr>
+          <a:xfrm>
+            <a:off x="297290" y="1939639"/>
+            <a:ext cx="7977381" cy="267855"/>
+          </a:xfrm>
+          <a:prstGeom prst="rect">
+            <a:avLst/>
+          </a:prstGeom>
+          <a:noFill/>
+          <a:ln w="38100">
+            <a:solidFill>
+              <a:srgbClr val="FF0000"/>
+            </a:solidFill>
+          </a:ln>
+        </p:spPr>
+        <p:style>
+          <a:lnRef idx="2">
+            <a:schemeClr val="accent1">
+              <a:shade val="50000"/>
+            </a:schemeClr>
+          </a:lnRef>
+          <a:fillRef idx="1">
+            <a:schemeClr val="accent1"/>
+          </a:fillRef>
+          <a:effectRef idx="0">
+            <a:schemeClr val="accent1"/>
+          </a:effectRef>
+          <a:fontRef idx="minor">
+            <a:schemeClr val="lt1"/>
+          </a:fontRef>
+        </p:style>
+        <p:txBody>
+          <a:bodyPr rtlCol="0" anchor="ctr"/>
+          <a:lstStyle/>
+          <a:p>
+            <a:pPr algn="ctr"/>
+            <a:endParaRPr lang="ko-KR" altLang="en-US"/>
+          </a:p>
+        </p:txBody>
+      </p:sp>
+      <p:sp>
+        <p:nvSpPr>
+          <p:cNvPr id="10" name="TextBox 9">
+            <a:extLst>
+              <a:ext uri="{FF2B5EF4-FFF2-40B4-BE49-F238E27FC236}">
+                <a16:creationId xmlns:a16="http://schemas.microsoft.com/office/drawing/2014/main" id="{9FA9B935-A395-413A-AF27-0163040BA205}"/>
+              </a:ext>
+            </a:extLst>
+          </p:cNvPr>
+          <p:cNvSpPr txBox="1"/>
+          <p:nvPr/>
+        </p:nvSpPr>
+        <p:spPr>
+          <a:xfrm>
+            <a:off x="189988" y="6507064"/>
+            <a:ext cx="6349367" cy="276999"/>
+          </a:xfrm>
+          <a:prstGeom prst="rect">
+            <a:avLst/>
+          </a:prstGeom>
+          <a:noFill/>
+        </p:spPr>
+        <p:txBody>
+          <a:bodyPr wrap="none" rtlCol="0">
+            <a:spAutoFit/>
+          </a:bodyPr>
+          <a:lstStyle/>
+          <a:p>
+            <a:r>
+              <a:rPr lang="en-US" altLang="ko-KR" sz="1200" dirty="0"/>
+              <a:t>https://www.egovframe.go.kr/wiki/doku.php?id=egovframework:com:v3.9:uat:</a:t>
+            </a:r>
+            <a:r>
+              <a:rPr lang="ko-KR" altLang="en-US" sz="1200" dirty="0"/>
+              <a:t>일반로그인</a:t>
+            </a:r>
+          </a:p>
+        </p:txBody>
+      </p:sp>
+      <p:cxnSp>
+        <p:nvCxnSpPr>
+          <p:cNvPr id="11" name="직선 화살표 연결선 10">
+            <a:extLst>
+              <a:ext uri="{FF2B5EF4-FFF2-40B4-BE49-F238E27FC236}">
+                <a16:creationId xmlns:a16="http://schemas.microsoft.com/office/drawing/2014/main" id="{36D917D9-5C4E-4E66-BF1E-30A3A964861D}"/>
+              </a:ext>
+            </a:extLst>
+          </p:cNvPr>
+          <p:cNvCxnSpPr>
+            <a:endCxn id="7" idx="1"/>
+          </p:cNvCxnSpPr>
+          <p:nvPr/>
+        </p:nvCxnSpPr>
+        <p:spPr>
+          <a:xfrm>
+            <a:off x="4285981" y="2207494"/>
+            <a:ext cx="2370730" cy="2239861"/>
+          </a:xfrm>
+          <a:prstGeom prst="straightConnector1">
+            <a:avLst/>
+          </a:prstGeom>
+          <a:ln w="38100">
+            <a:solidFill>
+              <a:srgbClr val="FF0000"/>
+            </a:solidFill>
+            <a:tailEnd type="stealth" w="lg" len="lg"/>
+          </a:ln>
+        </p:spPr>
+        <p:style>
+          <a:lnRef idx="1">
+            <a:schemeClr val="accent1"/>
+          </a:lnRef>
+          <a:fillRef idx="0">
+            <a:schemeClr val="accent1"/>
+          </a:fillRef>
+          <a:effectRef idx="0">
+            <a:schemeClr val="accent1"/>
+          </a:effectRef>
+          <a:fontRef idx="minor">
+            <a:schemeClr val="tx1"/>
+          </a:fontRef>
+        </p:style>
+      </p:cxnSp>
     </p:spTree>
     <p:extLst>
       <p:ext uri="{BB962C8B-B14F-4D97-AF65-F5344CB8AC3E}">
         <p14:creationId xmlns:p14="http://schemas.microsoft.com/office/powerpoint/2010/main" val="2108535594"/>
+      </p:ext>
+    </p:extLst>
+  </p:cSld>
+  <p:clrMapOvr>
+    <a:masterClrMapping/>
+  </p:clrMapOvr>
+</p:sld>
+</file>
+
+<file path=ppt/slides/slide6.xml><?xml version="1.0" encoding="utf-8"?>
+<p:sld xmlns:a="http://schemas.openxmlformats.org/drawingml/2006/main" xmlns:r="http://schemas.openxmlformats.org/officeDocument/2006/relationships" xmlns:p="http://schemas.openxmlformats.org/presentationml/2006/main">
+  <p:cSld>
+    <p:spTree>
+      <p:nvGrpSpPr>
+        <p:cNvPr id="1" name=""/>
+        <p:cNvGrpSpPr/>
+        <p:nvPr/>
+      </p:nvGrpSpPr>
+      <p:grpSpPr>
+        <a:xfrm>
+          <a:off x="0" y="0"/>
+          <a:ext cx="0" cy="0"/>
+          <a:chOff x="0" y="0"/>
+          <a:chExt cx="0" cy="0"/>
+        </a:xfrm>
+      </p:grpSpPr>
+      <p:sp>
+        <p:nvSpPr>
+          <p:cNvPr id="2" name="TextBox 1">
+            <a:extLst>
+              <a:ext uri="{FF2B5EF4-FFF2-40B4-BE49-F238E27FC236}">
+                <a16:creationId xmlns:a16="http://schemas.microsoft.com/office/drawing/2014/main" id="{6E16E838-1628-4154-BD45-0D30AD46F2BE}"/>
+              </a:ext>
+            </a:extLst>
+          </p:cNvPr>
+          <p:cNvSpPr txBox="1"/>
+          <p:nvPr/>
+        </p:nvSpPr>
+        <p:spPr>
+          <a:xfrm>
+            <a:off x="189988" y="212436"/>
+            <a:ext cx="4095993" cy="461665"/>
+          </a:xfrm>
+          <a:prstGeom prst="rect">
+            <a:avLst/>
+          </a:prstGeom>
+          <a:noFill/>
+        </p:spPr>
+        <p:txBody>
+          <a:bodyPr wrap="none" rtlCol="0">
+            <a:spAutoFit/>
+          </a:bodyPr>
+          <a:lstStyle/>
+          <a:p>
+            <a:r>
+              <a:rPr lang="ko-KR" altLang="en-US" sz="2400" b="1" dirty="0" err="1"/>
+              <a:t>표준프레임워크</a:t>
+            </a:r>
+            <a:r>
+              <a:rPr lang="ko-KR" altLang="en-US" sz="2400" b="1" dirty="0"/>
+              <a:t> 가이드 참조</a:t>
+            </a:r>
+          </a:p>
+        </p:txBody>
+      </p:sp>
+      <p:sp>
+        <p:nvSpPr>
+          <p:cNvPr id="4" name="TextBox 3">
+            <a:extLst>
+              <a:ext uri="{FF2B5EF4-FFF2-40B4-BE49-F238E27FC236}">
+                <a16:creationId xmlns:a16="http://schemas.microsoft.com/office/drawing/2014/main" id="{A65BB66B-7874-4868-86C0-003C0B0BE2CF}"/>
+              </a:ext>
+            </a:extLst>
+          </p:cNvPr>
+          <p:cNvSpPr txBox="1">
+            <a:spLocks/>
+          </p:cNvSpPr>
+          <p:nvPr/>
+        </p:nvSpPr>
+        <p:spPr>
+          <a:xfrm>
+            <a:off x="533179" y="856454"/>
+            <a:ext cx="2401619" cy="369332"/>
+          </a:xfrm>
+          <a:prstGeom prst="rect">
+            <a:avLst/>
+          </a:prstGeom>
+          <a:noFill/>
+        </p:spPr>
+        <p:txBody>
+          <a:bodyPr wrap="none" rtlCol="0">
+            <a:spAutoFit/>
+          </a:bodyPr>
+          <a:lstStyle/>
+          <a:p>
+            <a:pPr marL="285750" indent="-285750">
+              <a:buFont typeface="Arial" panose="020B0604020202020204" pitchFamily="34" charset="0"/>
+              <a:buChar char="•"/>
+            </a:pPr>
+            <a:r>
+              <a:rPr lang="ko-KR" altLang="en-US" dirty="0"/>
+              <a:t>데이터베이스 구조</a:t>
+            </a:r>
+            <a:endParaRPr lang="en-US" altLang="ko-KR" dirty="0"/>
+          </a:p>
+        </p:txBody>
+      </p:sp>
+      <p:sp>
+        <p:nvSpPr>
+          <p:cNvPr id="10" name="TextBox 9">
+            <a:extLst>
+              <a:ext uri="{FF2B5EF4-FFF2-40B4-BE49-F238E27FC236}">
+                <a16:creationId xmlns:a16="http://schemas.microsoft.com/office/drawing/2014/main" id="{9FA9B935-A395-413A-AF27-0163040BA205}"/>
+              </a:ext>
+            </a:extLst>
+          </p:cNvPr>
+          <p:cNvSpPr txBox="1"/>
+          <p:nvPr/>
+        </p:nvSpPr>
+        <p:spPr>
+          <a:xfrm>
+            <a:off x="189988" y="6507064"/>
+            <a:ext cx="5955028" cy="276999"/>
+          </a:xfrm>
+          <a:prstGeom prst="rect">
+            <a:avLst/>
+          </a:prstGeom>
+          <a:noFill/>
+        </p:spPr>
+        <p:txBody>
+          <a:bodyPr wrap="none" rtlCol="0">
+            <a:spAutoFit/>
+          </a:bodyPr>
+          <a:lstStyle/>
+          <a:p>
+            <a:r>
+              <a:rPr lang="en-US" altLang="ko-KR" sz="1200" dirty="0"/>
+              <a:t>https://www.egovframe.go.kr/wiki/doku.php?id=egovframework:com:v3.9:init_table</a:t>
+            </a:r>
+            <a:endParaRPr lang="ko-KR" altLang="en-US" sz="1200" dirty="0"/>
+          </a:p>
+        </p:txBody>
+      </p:sp>
+      <p:pic>
+        <p:nvPicPr>
+          <p:cNvPr id="6" name="그림 5">
+            <a:extLst>
+              <a:ext uri="{FF2B5EF4-FFF2-40B4-BE49-F238E27FC236}">
+                <a16:creationId xmlns:a16="http://schemas.microsoft.com/office/drawing/2014/main" id="{E6DD8554-7266-4278-BC9C-724F9726481E}"/>
+              </a:ext>
+            </a:extLst>
+          </p:cNvPr>
+          <p:cNvPicPr>
+            <a:picLocks noChangeAspect="1"/>
+          </p:cNvPicPr>
+          <p:nvPr/>
+        </p:nvPicPr>
+        <p:blipFill>
+          <a:blip r:embed="rId2"/>
+          <a:stretch>
+            <a:fillRect/>
+          </a:stretch>
+        </p:blipFill>
+        <p:spPr>
+          <a:xfrm>
+            <a:off x="5122949" y="1366340"/>
+            <a:ext cx="6881997" cy="4717969"/>
+          </a:xfrm>
+          <a:prstGeom prst="rect">
+            <a:avLst/>
+          </a:prstGeom>
+          <a:ln w="38100">
+            <a:solidFill>
+              <a:srgbClr val="FF0000"/>
+            </a:solidFill>
+          </a:ln>
+        </p:spPr>
+      </p:pic>
+      <p:pic>
+        <p:nvPicPr>
+          <p:cNvPr id="14" name="그림 13">
+            <a:extLst>
+              <a:ext uri="{FF2B5EF4-FFF2-40B4-BE49-F238E27FC236}">
+                <a16:creationId xmlns:a16="http://schemas.microsoft.com/office/drawing/2014/main" id="{3C51A9CC-C70B-4E4E-994B-BEFEFF9C3B00}"/>
+              </a:ext>
+            </a:extLst>
+          </p:cNvPr>
+          <p:cNvPicPr>
+            <a:picLocks noChangeAspect="1"/>
+          </p:cNvPicPr>
+          <p:nvPr/>
+        </p:nvPicPr>
+        <p:blipFill>
+          <a:blip r:embed="rId3"/>
+          <a:stretch>
+            <a:fillRect/>
+          </a:stretch>
+        </p:blipFill>
+        <p:spPr>
+          <a:xfrm>
+            <a:off x="533178" y="1366340"/>
+            <a:ext cx="4198841" cy="5026274"/>
+          </a:xfrm>
+          <a:prstGeom prst="rect">
+            <a:avLst/>
+          </a:prstGeom>
+        </p:spPr>
+      </p:pic>
+      <p:sp>
+        <p:nvSpPr>
+          <p:cNvPr id="15" name="직사각형 14">
+            <a:extLst>
+              <a:ext uri="{FF2B5EF4-FFF2-40B4-BE49-F238E27FC236}">
+                <a16:creationId xmlns:a16="http://schemas.microsoft.com/office/drawing/2014/main" id="{5D734CCB-D665-4CF9-BD3E-47CF09B052C0}"/>
+              </a:ext>
+            </a:extLst>
+          </p:cNvPr>
+          <p:cNvSpPr/>
+          <p:nvPr/>
+        </p:nvSpPr>
+        <p:spPr>
+          <a:xfrm>
+            <a:off x="533178" y="2228850"/>
+            <a:ext cx="4198841" cy="194310"/>
+          </a:xfrm>
+          <a:prstGeom prst="rect">
+            <a:avLst/>
+          </a:prstGeom>
+          <a:noFill/>
+          <a:ln w="28575">
+            <a:solidFill>
+              <a:srgbClr val="FF0000"/>
+            </a:solidFill>
+          </a:ln>
+        </p:spPr>
+        <p:style>
+          <a:lnRef idx="2">
+            <a:schemeClr val="accent1">
+              <a:shade val="50000"/>
+            </a:schemeClr>
+          </a:lnRef>
+          <a:fillRef idx="1">
+            <a:schemeClr val="accent1"/>
+          </a:fillRef>
+          <a:effectRef idx="0">
+            <a:schemeClr val="accent1"/>
+          </a:effectRef>
+          <a:fontRef idx="minor">
+            <a:schemeClr val="lt1"/>
+          </a:fontRef>
+        </p:style>
+        <p:txBody>
+          <a:bodyPr rtlCol="0" anchor="ctr"/>
+          <a:lstStyle/>
+          <a:p>
+            <a:pPr algn="ctr"/>
+            <a:endParaRPr lang="ko-KR" altLang="en-US"/>
+          </a:p>
+        </p:txBody>
+      </p:sp>
+      <p:cxnSp>
+        <p:nvCxnSpPr>
+          <p:cNvPr id="16" name="직선 화살표 연결선 15">
+            <a:extLst>
+              <a:ext uri="{FF2B5EF4-FFF2-40B4-BE49-F238E27FC236}">
+                <a16:creationId xmlns:a16="http://schemas.microsoft.com/office/drawing/2014/main" id="{79A648DD-E24D-4F4C-A133-964C6A9F4AE8}"/>
+              </a:ext>
+            </a:extLst>
+          </p:cNvPr>
+          <p:cNvCxnSpPr>
+            <a:cxnSpLocks/>
+            <a:stCxn id="15" idx="2"/>
+            <a:endCxn id="6" idx="1"/>
+          </p:cNvCxnSpPr>
+          <p:nvPr/>
+        </p:nvCxnSpPr>
+        <p:spPr>
+          <a:xfrm>
+            <a:off x="2632599" y="2423160"/>
+            <a:ext cx="2490350" cy="1302165"/>
+          </a:xfrm>
+          <a:prstGeom prst="straightConnector1">
+            <a:avLst/>
+          </a:prstGeom>
+          <a:ln w="38100">
+            <a:solidFill>
+              <a:srgbClr val="FF0000"/>
+            </a:solidFill>
+            <a:tailEnd type="stealth" w="lg" len="lg"/>
+          </a:ln>
+        </p:spPr>
+        <p:style>
+          <a:lnRef idx="1">
+            <a:schemeClr val="accent1"/>
+          </a:lnRef>
+          <a:fillRef idx="0">
+            <a:schemeClr val="accent1"/>
+          </a:fillRef>
+          <a:effectRef idx="0">
+            <a:schemeClr val="accent1"/>
+          </a:effectRef>
+          <a:fontRef idx="minor">
+            <a:schemeClr val="tx1"/>
+          </a:fontRef>
+        </p:style>
+      </p:cxnSp>
+    </p:spTree>
+    <p:extLst>
+      <p:ext uri="{BB962C8B-B14F-4D97-AF65-F5344CB8AC3E}">
+        <p14:creationId xmlns:p14="http://schemas.microsoft.com/office/powerpoint/2010/main" val="3688456910"/>
       </p:ext>
     </p:extLst>
   </p:cSld>
